--- a/exercise1/DPDCAssignment1ChristophOehlkeMarkusHinsche.pptx
+++ b/exercise1/DPDCAssignment1ChristophOehlkeMarkusHinsche.pptx
@@ -157,7 +157,7 @@
   </p:defaultTextStyle>
   <p:extLst>
     <p:ext uri="{EFAFB233-063F-42B5-8137-9DF3F51BA10A}">
-      <p15:sldGuideLst xmlns:p15="http://schemas.microsoft.com/office/powerpoint/2012/main">
+      <p15:sldGuideLst xmlns:p15="http://schemas.microsoft.com/office/powerpoint/2012/main" xmlns="">
         <p15:guide id="1" orient="horz" pos="2160">
           <p15:clr>
             <a:srgbClr val="A4A3A4"/>
@@ -171,7 +171,7 @@
       </p15:sldGuideLst>
     </p:ext>
     <p:ext uri="{2D200454-40CA-4A62-9FC3-DE9A4176ACB9}">
-      <p15:notesGuideLst xmlns:p15="http://schemas.microsoft.com/office/powerpoint/2012/main">
+      <p15:notesGuideLst xmlns:p15="http://schemas.microsoft.com/office/powerpoint/2012/main" xmlns="">
         <p15:guide id="1" orient="horz" pos="3312">
           <p15:clr>
             <a:srgbClr val="A4A3A4"/>
@@ -404,7 +404,7 @@
             <a:fld id="{C68CEC04-CECB-4321-99F0-A11FF9A4B5BB}" type="slidenum">
               <a:rPr lang="de-DE"/>
               <a:pPr/>
-              <a:t>‹Nr.›</a:t>
+              <a:t>‹#›</a:t>
             </a:fld>
             <a:endParaRPr lang="de-DE"/>
           </a:p>
@@ -739,7 +739,7 @@
             <a:fld id="{6A8F3DCA-10DE-494A-957E-84CDB678C40F}" type="slidenum">
               <a:rPr lang="de-DE"/>
               <a:pPr/>
-              <a:t>‹Nr.›</a:t>
+              <a:t>‹#›</a:t>
             </a:fld>
             <a:endParaRPr lang="de-DE"/>
           </a:p>
@@ -1316,7 +1316,7 @@
   <p:timing>
     <p:tnLst>
       <p:par>
-        <p:cTn id="1" dur="indefinite" restart="never" nodeType="tmRoot"/>
+        <p:cTn xmlns:p14="http://schemas.microsoft.com/office/powerpoint/2010/main" id="1" dur="indefinite" restart="never" nodeType="tmRoot"/>
       </p:par>
     </p:tnLst>
   </p:timing>
@@ -1473,7 +1473,7 @@
             <a:fld id="{990DCB26-31A7-407B-913D-2205DF993093}" type="slidenum">
               <a:rPr lang="de-DE"/>
               <a:pPr/>
-              <a:t>‹Nr.›</a:t>
+              <a:t>‹#›</a:t>
             </a:fld>
             <a:endParaRPr lang="de-DE"/>
           </a:p>
@@ -1576,7 +1576,7 @@
             <a:fld id="{59B5FACA-E808-4B0B-9CE5-2D4613DC80C8}" type="slidenum">
               <a:rPr lang="de-DE"/>
               <a:pPr/>
-              <a:t>‹Nr.›</a:t>
+              <a:t>‹#›</a:t>
             </a:fld>
             <a:endParaRPr lang="de-DE"/>
           </a:p>
@@ -1656,7 +1656,7 @@
             <a:fld id="{77FF3B25-51B2-40FD-A0A9-AD78C5B18266}" type="slidenum">
               <a:rPr lang="de-DE"/>
               <a:pPr/>
-              <a:t>‹Nr.›</a:t>
+              <a:t>‹#›</a:t>
             </a:fld>
             <a:endParaRPr lang="de-DE"/>
           </a:p>
@@ -1759,7 +1759,7 @@
             <a:fld id="{59B5FACA-E808-4B0B-9CE5-2D4613DC80C8}" type="slidenum">
               <a:rPr lang="de-DE"/>
               <a:pPr/>
-              <a:t>‹Nr.›</a:t>
+              <a:t>‹#›</a:t>
             </a:fld>
             <a:endParaRPr lang="de-DE"/>
           </a:p>
@@ -2006,7 +2006,7 @@
             <a:fld id="{59B5FACA-E808-4B0B-9CE5-2D4613DC80C8}" type="slidenum">
               <a:rPr lang="de-DE"/>
               <a:pPr/>
-              <a:t>‹Nr.›</a:t>
+              <a:t>‹#›</a:t>
             </a:fld>
             <a:endParaRPr lang="de-DE"/>
           </a:p>
@@ -2287,7 +2287,7 @@
             <a:fld id="{0C6113F6-D982-4F1F-82B4-AFA466AB9AFB}" type="slidenum">
               <a:rPr lang="de-DE"/>
               <a:pPr/>
-              <a:t>‹Nr.›</a:t>
+              <a:t>‹#›</a:t>
             </a:fld>
             <a:endParaRPr lang="de-DE"/>
           </a:p>
@@ -2463,7 +2463,7 @@
             <a:fld id="{0C6113F6-D982-4F1F-82B4-AFA466AB9AFB}" type="slidenum">
               <a:rPr lang="de-DE"/>
               <a:pPr/>
-              <a:t>‹Nr.›</a:t>
+              <a:t>‹#›</a:t>
             </a:fld>
             <a:endParaRPr lang="de-DE"/>
           </a:p>
@@ -2566,7 +2566,7 @@
             <a:fld id="{9FB98B87-CF4F-4033-BFAA-9EA7BD15767A}" type="slidenum">
               <a:rPr lang="de-DE"/>
               <a:pPr/>
-              <a:t>‹Nr.›</a:t>
+              <a:t>‹#›</a:t>
             </a:fld>
             <a:endParaRPr lang="de-DE"/>
           </a:p>
@@ -2646,7 +2646,7 @@
             <a:fld id="{0F0C33EC-149A-4E8A-9632-D8084274299B}" type="slidenum">
               <a:rPr lang="de-DE"/>
               <a:pPr/>
-              <a:t>‹Nr.›</a:t>
+              <a:t>‹#›</a:t>
             </a:fld>
             <a:endParaRPr lang="de-DE"/>
           </a:p>
@@ -2741,7 +2741,7 @@
             <a:fld id="{BD2E3E63-3635-477D-9E97-C36E7087B489}" type="slidenum">
               <a:rPr lang="de-DE" smtClean="0"/>
               <a:pPr/>
-              <a:t>‹Nr.›</a:t>
+              <a:t>‹#›</a:t>
             </a:fld>
             <a:endParaRPr lang="de-DE"/>
           </a:p>
@@ -2980,7 +2980,7 @@
             <a:fld id="{BD2E3E63-3635-477D-9E97-C36E7087B489}" type="slidenum">
               <a:rPr lang="de-DE" smtClean="0"/>
               <a:pPr/>
-              <a:t>‹Nr.›</a:t>
+              <a:t>‹#›</a:t>
             </a:fld>
             <a:endParaRPr lang="de-DE"/>
           </a:p>
@@ -3436,7 +3436,7 @@
   <p:timing>
     <p:tnLst>
       <p:par>
-        <p:cTn id="1" dur="indefinite" restart="never" nodeType="tmRoot"/>
+        <p:cTn xmlns:p14="http://schemas.microsoft.com/office/powerpoint/2010/main" id="1" dur="indefinite" restart="never" nodeType="tmRoot"/>
       </p:par>
     </p:tnLst>
   </p:timing>
@@ -3620,7 +3620,7 @@
             <a:fld id="{990DCB26-31A7-407B-913D-2205DF993093}" type="slidenum">
               <a:rPr lang="de-DE"/>
               <a:pPr/>
-              <a:t>‹Nr.›</a:t>
+              <a:t>‹#›</a:t>
             </a:fld>
             <a:endParaRPr lang="de-DE"/>
           </a:p>
@@ -3857,7 +3857,7 @@
             <a:fld id="{BD2E3E63-3635-477D-9E97-C36E7087B489}" type="slidenum">
               <a:rPr lang="de-DE"/>
               <a:pPr/>
-              <a:t>‹Nr.›</a:t>
+              <a:t>‹#›</a:t>
             </a:fld>
             <a:endParaRPr lang="de-DE"/>
           </a:p>
@@ -4097,7 +4097,7 @@
   <p:timing>
     <p:tnLst>
       <p:par>
-        <p:cTn id="1" dur="indefinite" restart="never" nodeType="tmRoot"/>
+        <p:cTn xmlns:p14="http://schemas.microsoft.com/office/powerpoint/2010/main" id="1" dur="indefinite" restart="never" nodeType="tmRoot"/>
       </p:par>
     </p:tnLst>
   </p:timing>
@@ -4911,7 +4911,7 @@
             <a:fld id="{15607529-4FF3-4FE6-8DAF-F4821142B5DD}" type="slidenum">
               <a:rPr lang="de-DE"/>
               <a:pPr/>
-              <a:t>‹Nr.›</a:t>
+              <a:t>‹#›</a:t>
             </a:fld>
             <a:endParaRPr lang="de-DE"/>
           </a:p>
@@ -4958,7 +4958,7 @@
   <p:timing>
     <p:tnLst>
       <p:par>
-        <p:cTn id="1" dur="indefinite" restart="never" nodeType="tmRoot"/>
+        <p:cTn xmlns:p14="http://schemas.microsoft.com/office/powerpoint/2010/main" id="1" dur="indefinite" restart="never" nodeType="tmRoot"/>
       </p:par>
     </p:tnLst>
   </p:timing>
@@ -5518,7 +5518,7 @@
   <p:timing>
     <p:tnLst>
       <p:par>
-        <p:cTn id="1" dur="indefinite" restart="never" nodeType="tmRoot"/>
+        <p:cTn xmlns:p14="http://schemas.microsoft.com/office/powerpoint/2010/main" id="1" dur="indefinite" restart="never" nodeType="tmRoot"/>
       </p:par>
     </p:tnLst>
   </p:timing>
@@ -7802,7 +7802,7 @@
   <p:timing>
     <p:tnLst>
       <p:par>
-        <p:cTn id="1" dur="indefinite" restart="never" nodeType="tmRoot"/>
+        <p:cTn xmlns:p14="http://schemas.microsoft.com/office/powerpoint/2010/main" id="1" dur="indefinite" restart="never" nodeType="tmRoot"/>
       </p:par>
     </p:tnLst>
   </p:timing>
@@ -10081,11 +10081,6 @@
               </a:rPr>
               <a:t>!</a:t>
             </a:r>
-            <a:endParaRPr lang="de-DE" b="1" dirty="0" smtClean="0">
-              <a:solidFill>
-                <a:srgbClr val="92D050"/>
-              </a:solidFill>
-            </a:endParaRPr>
           </a:p>
         </p:txBody>
       </p:sp>
@@ -10102,7 +10097,7 @@
   <p:timing>
     <p:tnLst>
       <p:par>
-        <p:cTn id="1" dur="indefinite" restart="never" nodeType="tmRoot"/>
+        <p:cTn xmlns:p14="http://schemas.microsoft.com/office/powerpoint/2010/main" id="1" dur="indefinite" restart="never" nodeType="tmRoot"/>
       </p:par>
     </p:tnLst>
   </p:timing>
@@ -12435,11 +12430,6 @@
               </a:rPr>
               <a:t>!</a:t>
             </a:r>
-            <a:endParaRPr lang="de-DE" b="1" dirty="0" smtClean="0">
-              <a:solidFill>
-                <a:srgbClr val="92D050"/>
-              </a:solidFill>
-            </a:endParaRPr>
           </a:p>
         </p:txBody>
       </p:sp>
@@ -12456,7 +12446,7 @@
   <p:timing>
     <p:tnLst>
       <p:par>
-        <p:cTn id="1" dur="indefinite" restart="never" nodeType="tmRoot"/>
+        <p:cTn xmlns:p14="http://schemas.microsoft.com/office/powerpoint/2010/main" id="1" dur="indefinite" restart="never" nodeType="tmRoot"/>
       </p:par>
     </p:tnLst>
   </p:timing>
@@ -14411,11 +14401,6 @@
               </a:rPr>
               <a:t>!</a:t>
             </a:r>
-            <a:endParaRPr lang="de-DE" b="1" dirty="0" smtClean="0">
-              <a:solidFill>
-                <a:srgbClr val="92D050"/>
-              </a:solidFill>
-            </a:endParaRPr>
           </a:p>
         </p:txBody>
       </p:sp>
@@ -14432,7 +14417,7 @@
   <p:timing>
     <p:tnLst>
       <p:par>
-        <p:cTn id="1" dur="indefinite" restart="never" nodeType="tmRoot"/>
+        <p:cTn xmlns:p14="http://schemas.microsoft.com/office/powerpoint/2010/main" id="1" dur="indefinite" restart="never" nodeType="tmRoot"/>
       </p:par>
     </p:tnLst>
   </p:timing>
@@ -14535,7 +14520,7 @@
         <p:spPr>
           <a:xfrm>
             <a:off x="782506" y="1818105"/>
-            <a:ext cx="7292019" cy="3416320"/>
+            <a:ext cx="7292019" cy="1477328"/>
           </a:xfrm>
           <a:prstGeom prst="rect">
             <a:avLst/>
@@ -14591,91 +14576,6 @@
                 </a:solidFill>
               </a:rPr>
               <a:t>1</a:t>
-            </a:r>
-          </a:p>
-          <a:p>
-            <a:pPr algn="l"/>
-            <a:r>
-              <a:rPr lang="en-US" dirty="0">
-                <a:solidFill>
-                  <a:schemeClr val="tx1"/>
-                </a:solidFill>
-              </a:rPr>
-              <a:t>7	13	16</a:t>
-            </a:r>
-          </a:p>
-          <a:p>
-            <a:pPr algn="l"/>
-            <a:r>
-              <a:rPr lang="en-US" dirty="0">
-                <a:solidFill>
-                  <a:schemeClr val="tx1"/>
-                </a:solidFill>
-              </a:rPr>
-              <a:t>7	13	20</a:t>
-            </a:r>
-          </a:p>
-          <a:p>
-            <a:pPr algn="l"/>
-            <a:r>
-              <a:rPr lang="en-US" dirty="0">
-                <a:solidFill>
-                  <a:schemeClr val="tx1"/>
-                </a:solidFill>
-              </a:rPr>
-              <a:t>9	12	14</a:t>
-            </a:r>
-          </a:p>
-          <a:p>
-            <a:pPr algn="l"/>
-            <a:r>
-              <a:rPr lang="en-US" dirty="0">
-                <a:solidFill>
-                  <a:schemeClr val="tx1"/>
-                </a:solidFill>
-              </a:rPr>
-              <a:t>10	13	16</a:t>
-            </a:r>
-          </a:p>
-          <a:p>
-            <a:pPr algn="l"/>
-            <a:r>
-              <a:rPr lang="en-US" dirty="0">
-                <a:solidFill>
-                  <a:schemeClr val="tx1"/>
-                </a:solidFill>
-              </a:rPr>
-              <a:t>10	13	20</a:t>
-            </a:r>
-          </a:p>
-          <a:p>
-            <a:pPr algn="l"/>
-            <a:r>
-              <a:rPr lang="en-US" dirty="0">
-                <a:solidFill>
-                  <a:schemeClr val="tx1"/>
-                </a:solidFill>
-              </a:rPr>
-              <a:t>12	20	185</a:t>
-            </a:r>
-          </a:p>
-          <a:p>
-            <a:pPr algn="l"/>
-            <a:r>
-              <a:rPr lang="en-US" dirty="0" smtClean="0">
-                <a:solidFill>
-                  <a:schemeClr val="tx1"/>
-                </a:solidFill>
-              </a:rPr>
-              <a:t>13	20</a:t>
-            </a:r>
-            <a:r>
-              <a:rPr lang="en-US" dirty="0">
-                <a:solidFill>
-                  <a:schemeClr val="tx1"/>
-                </a:solidFill>
-              </a:rPr>
-              <a:t>	185</a:t>
             </a:r>
           </a:p>
           <a:p>
@@ -14701,7 +14601,7 @@
   <p:timing>
     <p:tnLst>
       <p:par>
-        <p:cTn id="1" dur="indefinite" restart="never" nodeType="tmRoot"/>
+        <p:cTn xmlns:p14="http://schemas.microsoft.com/office/powerpoint/2010/main" id="1" dur="indefinite" restart="never" nodeType="tmRoot"/>
       </p:par>
     </p:tnLst>
   </p:timing>
@@ -14773,11 +14673,7 @@
             </a:r>
             <a:r>
               <a:rPr lang="de-DE" dirty="0" err="1" smtClean="0"/>
-              <a:t>p</a:t>
-            </a:r>
-            <a:r>
-              <a:rPr lang="de-DE" dirty="0" err="1" smtClean="0"/>
-              <a:t>roblem</a:t>
+              <a:t>problem</a:t>
             </a:r>
             <a:r>
               <a:rPr lang="de-DE" dirty="0" smtClean="0"/>
@@ -15189,7 +15085,7 @@
   <p:timing>
     <p:tnLst>
       <p:par>
-        <p:cTn id="1" dur="indefinite" restart="never" nodeType="tmRoot"/>
+        <p:cTn xmlns:p14="http://schemas.microsoft.com/office/powerpoint/2010/main" id="1" dur="indefinite" restart="never" nodeType="tmRoot"/>
       </p:par>
     </p:tnLst>
   </p:timing>
@@ -15613,11 +15509,7 @@
           <a:p>
             <a:r>
               <a:rPr lang="de-DE" dirty="0"/>
-              <a:t>	</a:t>
-            </a:r>
-            <a:r>
-              <a:rPr lang="de-DE" dirty="0"/>
-              <a:t> </a:t>
+              <a:t>	 </a:t>
             </a:r>
             <a:r>
               <a:rPr lang="de-DE" dirty="0" smtClean="0"/>
@@ -15719,15 +15611,7 @@
             </a:r>
             <a:r>
               <a:rPr lang="de-DE" dirty="0" smtClean="0"/>
-              <a:t> </a:t>
-            </a:r>
-            <a:r>
-              <a:rPr lang="de-DE" dirty="0" smtClean="0"/>
-              <a:t>1 | Christoph Oehlke, Markus Hinsche | </a:t>
-            </a:r>
-            <a:r>
-              <a:rPr lang="de-DE" dirty="0" smtClean="0"/>
-              <a:t>May 2, 2013 </a:t>
+              <a:t> 1 | Christoph Oehlke, Markus Hinsche | May 2, 2013 </a:t>
             </a:r>
             <a:endParaRPr lang="de-DE" dirty="0"/>
           </a:p>
@@ -15770,7 +15654,7 @@
   <p:timing>
     <p:tnLst>
       <p:par>
-        <p:cTn id="1" dur="indefinite" restart="never" nodeType="tmRoot"/>
+        <p:cTn xmlns:p14="http://schemas.microsoft.com/office/powerpoint/2010/main" id="1" dur="indefinite" restart="never" nodeType="tmRoot"/>
       </p:par>
     </p:tnLst>
   </p:timing>
@@ -16407,7 +16291,7 @@
   <p:timing>
     <p:tnLst>
       <p:par>
-        <p:cTn id="1" dur="indefinite" restart="never" nodeType="tmRoot"/>
+        <p:cTn xmlns:p14="http://schemas.microsoft.com/office/powerpoint/2010/main" id="1" dur="indefinite" restart="never" nodeType="tmRoot"/>
       </p:par>
     </p:tnLst>
   </p:timing>
@@ -18007,7 +17891,7 @@
   <p:timing>
     <p:tnLst>
       <p:par>
-        <p:cTn id="1" dur="indefinite" restart="never" nodeType="tmRoot"/>
+        <p:cTn xmlns:p14="http://schemas.microsoft.com/office/powerpoint/2010/main" id="1" dur="indefinite" restart="never" nodeType="tmRoot"/>
       </p:par>
     </p:tnLst>
   </p:timing>
@@ -22704,7 +22588,7 @@
   <p:timing>
     <p:tnLst>
       <p:par>
-        <p:cTn id="1" dur="indefinite" restart="never" nodeType="tmRoot"/>
+        <p:cTn xmlns:p14="http://schemas.microsoft.com/office/powerpoint/2010/main" id="1" dur="indefinite" restart="never" nodeType="tmRoot"/>
       </p:par>
     </p:tnLst>
   </p:timing>
@@ -27755,7 +27639,7 @@
   <p:timing>
     <p:tnLst>
       <p:par>
-        <p:cTn id="1" dur="indefinite" restart="never" nodeType="tmRoot"/>
+        <p:cTn xmlns:p14="http://schemas.microsoft.com/office/powerpoint/2010/main" id="1" dur="indefinite" restart="never" nodeType="tmRoot"/>
       </p:par>
     </p:tnLst>
   </p:timing>
@@ -30250,7 +30134,7 @@
   <p:timing>
     <p:tnLst>
       <p:par>
-        <p:cTn id="1" dur="indefinite" restart="never" nodeType="tmRoot"/>
+        <p:cTn xmlns:p14="http://schemas.microsoft.com/office/powerpoint/2010/main" id="1" dur="indefinite" restart="never" nodeType="tmRoot"/>
       </p:par>
     </p:tnLst>
   </p:timing>
@@ -32495,7 +32379,7 @@
   <p:timing>
     <p:tnLst>
       <p:par>
-        <p:cTn id="1" dur="indefinite" restart="never" nodeType="tmRoot"/>
+        <p:cTn xmlns:p14="http://schemas.microsoft.com/office/powerpoint/2010/main" id="1" dur="indefinite" restart="never" nodeType="tmRoot"/>
       </p:par>
     </p:tnLst>
   </p:timing>
@@ -34839,7 +34723,7 @@
   <p:timing>
     <p:tnLst>
       <p:par>
-        <p:cTn id="1" dur="indefinite" restart="never" nodeType="tmRoot"/>
+        <p:cTn xmlns:p14="http://schemas.microsoft.com/office/powerpoint/2010/main" id="1" dur="indefinite" restart="never" nodeType="tmRoot"/>
       </p:par>
     </p:tnLst>
   </p:timing>

--- a/exercise1/DPDCAssignment1ChristophOehlkeMarkusHinsche.pptx
+++ b/exercise1/DPDCAssignment1ChristophOehlkeMarkusHinsche.pptx
@@ -10081,11 +10081,6 @@
               </a:rPr>
               <a:t>!</a:t>
             </a:r>
-            <a:endParaRPr lang="de-DE" b="1" dirty="0" smtClean="0">
-              <a:solidFill>
-                <a:srgbClr val="92D050"/>
-              </a:solidFill>
-            </a:endParaRPr>
           </a:p>
         </p:txBody>
       </p:sp>
@@ -12435,11 +12430,6 @@
               </a:rPr>
               <a:t>!</a:t>
             </a:r>
-            <a:endParaRPr lang="de-DE" b="1" dirty="0" smtClean="0">
-              <a:solidFill>
-                <a:srgbClr val="92D050"/>
-              </a:solidFill>
-            </a:endParaRPr>
           </a:p>
         </p:txBody>
       </p:sp>
@@ -14411,11 +14401,6 @@
               </a:rPr>
               <a:t>!</a:t>
             </a:r>
-            <a:endParaRPr lang="de-DE" b="1" dirty="0" smtClean="0">
-              <a:solidFill>
-                <a:srgbClr val="92D050"/>
-              </a:solidFill>
-            </a:endParaRPr>
           </a:p>
         </p:txBody>
       </p:sp>
@@ -14535,7 +14520,7 @@
         <p:spPr>
           <a:xfrm>
             <a:off x="782506" y="1818105"/>
-            <a:ext cx="7292019" cy="3416320"/>
+            <a:ext cx="7292019" cy="1477328"/>
           </a:xfrm>
           <a:prstGeom prst="rect">
             <a:avLst/>
@@ -14591,91 +14576,6 @@
                 </a:solidFill>
               </a:rPr>
               <a:t>1</a:t>
-            </a:r>
-          </a:p>
-          <a:p>
-            <a:pPr algn="l"/>
-            <a:r>
-              <a:rPr lang="en-US" dirty="0">
-                <a:solidFill>
-                  <a:schemeClr val="tx1"/>
-                </a:solidFill>
-              </a:rPr>
-              <a:t>7	13	16</a:t>
-            </a:r>
-          </a:p>
-          <a:p>
-            <a:pPr algn="l"/>
-            <a:r>
-              <a:rPr lang="en-US" dirty="0">
-                <a:solidFill>
-                  <a:schemeClr val="tx1"/>
-                </a:solidFill>
-              </a:rPr>
-              <a:t>7	13	20</a:t>
-            </a:r>
-          </a:p>
-          <a:p>
-            <a:pPr algn="l"/>
-            <a:r>
-              <a:rPr lang="en-US" dirty="0">
-                <a:solidFill>
-                  <a:schemeClr val="tx1"/>
-                </a:solidFill>
-              </a:rPr>
-              <a:t>9	12	14</a:t>
-            </a:r>
-          </a:p>
-          <a:p>
-            <a:pPr algn="l"/>
-            <a:r>
-              <a:rPr lang="en-US" dirty="0">
-                <a:solidFill>
-                  <a:schemeClr val="tx1"/>
-                </a:solidFill>
-              </a:rPr>
-              <a:t>10	13	16</a:t>
-            </a:r>
-          </a:p>
-          <a:p>
-            <a:pPr algn="l"/>
-            <a:r>
-              <a:rPr lang="en-US" dirty="0">
-                <a:solidFill>
-                  <a:schemeClr val="tx1"/>
-                </a:solidFill>
-              </a:rPr>
-              <a:t>10	13	20</a:t>
-            </a:r>
-          </a:p>
-          <a:p>
-            <a:pPr algn="l"/>
-            <a:r>
-              <a:rPr lang="en-US" dirty="0">
-                <a:solidFill>
-                  <a:schemeClr val="tx1"/>
-                </a:solidFill>
-              </a:rPr>
-              <a:t>12	20	185</a:t>
-            </a:r>
-          </a:p>
-          <a:p>
-            <a:pPr algn="l"/>
-            <a:r>
-              <a:rPr lang="en-US" dirty="0" smtClean="0">
-                <a:solidFill>
-                  <a:schemeClr val="tx1"/>
-                </a:solidFill>
-              </a:rPr>
-              <a:t>13	20</a:t>
-            </a:r>
-            <a:r>
-              <a:rPr lang="en-US" dirty="0">
-                <a:solidFill>
-                  <a:schemeClr val="tx1"/>
-                </a:solidFill>
-              </a:rPr>
-              <a:t>	185</a:t>
             </a:r>
           </a:p>
           <a:p>
@@ -14773,11 +14673,7 @@
             </a:r>
             <a:r>
               <a:rPr lang="de-DE" dirty="0" err="1" smtClean="0"/>
-              <a:t>p</a:t>
-            </a:r>
-            <a:r>
-              <a:rPr lang="de-DE" dirty="0" err="1" smtClean="0"/>
-              <a:t>roblem</a:t>
+              <a:t>problem</a:t>
             </a:r>
             <a:r>
               <a:rPr lang="de-DE" dirty="0" smtClean="0"/>
@@ -15613,11 +15509,7 @@
           <a:p>
             <a:r>
               <a:rPr lang="de-DE" dirty="0"/>
-              <a:t>	</a:t>
-            </a:r>
-            <a:r>
-              <a:rPr lang="de-DE" dirty="0"/>
-              <a:t> </a:t>
+              <a:t>	 </a:t>
             </a:r>
             <a:r>
               <a:rPr lang="de-DE" dirty="0" smtClean="0"/>
@@ -15719,15 +15611,7 @@
             </a:r>
             <a:r>
               <a:rPr lang="de-DE" dirty="0" smtClean="0"/>
-              <a:t> </a:t>
-            </a:r>
-            <a:r>
-              <a:rPr lang="de-DE" dirty="0" smtClean="0"/>
-              <a:t>1 | Christoph Oehlke, Markus Hinsche | </a:t>
-            </a:r>
-            <a:r>
-              <a:rPr lang="de-DE" dirty="0" smtClean="0"/>
-              <a:t>May 2, 2013 </a:t>
+              <a:t> 1 | Christoph Oehlke, Markus Hinsche | May 2, 2013 </a:t>
             </a:r>
             <a:endParaRPr lang="de-DE" dirty="0"/>
           </a:p>
